--- a/thesis/Abschlussvortrag.pptx
+++ b/thesis/Abschlussvortrag.pptx
@@ -4832,7 +4832,7 @@
         </p:blipFill>
         <p:spPr>
           <a:xfrm>
-            <a:off x="447904" y="1837509"/>
+            <a:off x="1097280" y="1811383"/>
             <a:ext cx="7829936" cy="4352147"/>
           </a:xfrm>
           <a:prstGeom prst="rect">
@@ -5026,13 +5026,13 @@
           <p:nvPr>
             <p:extLst>
               <p:ext uri="{D42A27DB-BD31-4B8C-83A1-F6EECF244321}">
-                <p14:modId xmlns:p14="http://schemas.microsoft.com/office/powerpoint/2010/main" val="803566669"/>
+                <p14:modId xmlns:p14="http://schemas.microsoft.com/office/powerpoint/2010/main" val="1760780503"/>
               </p:ext>
             </p:extLst>
           </p:nvPr>
         </p:nvGraphicFramePr>
         <p:xfrm>
-          <a:off x="4756814" y="4066903"/>
+          <a:off x="4809755" y="3889706"/>
           <a:ext cx="2271002" cy="2295192"/>
         </p:xfrm>
         <a:graphic>
@@ -6374,13 +6374,13 @@
           <p:nvPr>
             <p:extLst>
               <p:ext uri="{D42A27DB-BD31-4B8C-83A1-F6EECF244321}">
-                <p14:modId xmlns:p14="http://schemas.microsoft.com/office/powerpoint/2010/main" val="3294897807"/>
+                <p14:modId xmlns:p14="http://schemas.microsoft.com/office/powerpoint/2010/main" val="3173055673"/>
               </p:ext>
             </p:extLst>
           </p:nvPr>
         </p:nvGraphicFramePr>
         <p:xfrm>
-          <a:off x="838196" y="4167535"/>
+          <a:off x="915913" y="3889706"/>
           <a:ext cx="2011134" cy="2194560"/>
         </p:xfrm>
         <a:graphic>
@@ -7906,13 +7906,13 @@
           <p:nvPr>
             <p:extLst>
               <p:ext uri="{D42A27DB-BD31-4B8C-83A1-F6EECF244321}">
-                <p14:modId xmlns:p14="http://schemas.microsoft.com/office/powerpoint/2010/main" val="1215520640"/>
+                <p14:modId xmlns:p14="http://schemas.microsoft.com/office/powerpoint/2010/main" val="1501455"/>
               </p:ext>
             </p:extLst>
           </p:nvPr>
         </p:nvGraphicFramePr>
         <p:xfrm>
-          <a:off x="8012575" y="4066903"/>
+          <a:off x="8043054" y="4665858"/>
           <a:ext cx="2150328" cy="1097280"/>
         </p:xfrm>
         <a:graphic>
@@ -28372,7 +28372,7 @@
         </p:blipFill>
         <p:spPr>
           <a:xfrm>
-            <a:off x="449065" y="2346467"/>
+            <a:off x="1097280" y="2241964"/>
             <a:ext cx="6535210" cy="3815012"/>
           </a:xfrm>
           <a:prstGeom prst="rect">
@@ -29299,7 +29299,7 @@
         </p:blipFill>
         <p:spPr>
           <a:xfrm>
-            <a:off x="512291" y="1785042"/>
+            <a:off x="1097280" y="1872128"/>
             <a:ext cx="7403800" cy="3960376"/>
           </a:xfrm>
           <a:prstGeom prst="rect">
@@ -29513,7 +29513,7 @@
         </p:blipFill>
         <p:spPr>
           <a:xfrm>
-            <a:off x="954650" y="1912226"/>
+            <a:off x="1097280" y="1912226"/>
             <a:ext cx="7867133" cy="4226297"/>
           </a:xfrm>
           <a:prstGeom prst="rect">
@@ -31380,13 +31380,8 @@
           <a:p>
             <a:r>
               <a:rPr lang="en-US" dirty="0" smtClean="0"/>
-              <a:t>View of A consist of input of corrupted parties, obtained messages and </a:t>
-            </a:r>
-            <a:r>
-              <a:rPr lang="en-US" smtClean="0"/>
-              <a:t>used randomness </a:t>
-            </a:r>
-            <a:endParaRPr lang="en-US" dirty="0" smtClean="0"/>
+              <a:t>View of A consist of input of corrupted parties, obtained messages and used randomness </a:t>
+            </a:r>
           </a:p>
           <a:p>
             <a:r>

--- a/thesis/Abschlussvortrag.pptx
+++ b/thesis/Abschlussvortrag.pptx
@@ -4,6 +4,9 @@
   <p:sldMasterIdLst>
     <p:sldMasterId id="2147483660" r:id="rId1"/>
   </p:sldMasterIdLst>
+  <p:notesMasterIdLst>
+    <p:notesMasterId r:id="rId28"/>
+  </p:notesMasterIdLst>
   <p:sldIdLst>
     <p:sldId id="256" r:id="rId2"/>
     <p:sldId id="257" r:id="rId3"/>
@@ -137,6 +140,440 @@
 </p:presentation>
 </file>
 
+<file path=ppt/notesMasters/notesMaster1.xml><?xml version="1.0" encoding="utf-8"?>
+<p:notesMaster xmlns:a="http://schemas.openxmlformats.org/drawingml/2006/main" xmlns:r="http://schemas.openxmlformats.org/officeDocument/2006/relationships" xmlns:p="http://schemas.openxmlformats.org/presentationml/2006/main">
+  <p:cSld>
+    <p:bg>
+      <p:bgRef idx="1001">
+        <a:schemeClr val="bg1"/>
+      </p:bgRef>
+    </p:bg>
+    <p:spTree>
+      <p:nvGrpSpPr>
+        <p:cNvPr id="1" name=""/>
+        <p:cNvGrpSpPr/>
+        <p:nvPr/>
+      </p:nvGrpSpPr>
+      <p:grpSpPr>
+        <a:xfrm>
+          <a:off x="0" y="0"/>
+          <a:ext cx="0" cy="0"/>
+          <a:chOff x="0" y="0"/>
+          <a:chExt cx="0" cy="0"/>
+        </a:xfrm>
+      </p:grpSpPr>
+      <p:sp>
+        <p:nvSpPr>
+          <p:cNvPr id="2" name="Kopfzeilenplatzhalter 1"/>
+          <p:cNvSpPr>
+            <a:spLocks noGrp="1"/>
+          </p:cNvSpPr>
+          <p:nvPr>
+            <p:ph type="hdr" sz="quarter"/>
+          </p:nvPr>
+        </p:nvSpPr>
+        <p:spPr>
+          <a:xfrm>
+            <a:off x="0" y="0"/>
+            <a:ext cx="2971800" cy="458788"/>
+          </a:xfrm>
+          <a:prstGeom prst="rect">
+            <a:avLst/>
+          </a:prstGeom>
+        </p:spPr>
+        <p:txBody>
+          <a:bodyPr vert="horz" lIns="91440" tIns="45720" rIns="91440" bIns="45720" rtlCol="0"/>
+          <a:lstStyle>
+            <a:lvl1pPr algn="l">
+              <a:defRPr sz="1200"/>
+            </a:lvl1pPr>
+          </a:lstStyle>
+          <a:p>
+            <a:endParaRPr lang="en-GB"/>
+          </a:p>
+        </p:txBody>
+      </p:sp>
+      <p:sp>
+        <p:nvSpPr>
+          <p:cNvPr id="3" name="Datumsplatzhalter 2"/>
+          <p:cNvSpPr>
+            <a:spLocks noGrp="1"/>
+          </p:cNvSpPr>
+          <p:nvPr>
+            <p:ph type="dt" idx="1"/>
+          </p:nvPr>
+        </p:nvSpPr>
+        <p:spPr>
+          <a:xfrm>
+            <a:off x="3884613" y="0"/>
+            <a:ext cx="2971800" cy="458788"/>
+          </a:xfrm>
+          <a:prstGeom prst="rect">
+            <a:avLst/>
+          </a:prstGeom>
+        </p:spPr>
+        <p:txBody>
+          <a:bodyPr vert="horz" lIns="91440" tIns="45720" rIns="91440" bIns="45720" rtlCol="0"/>
+          <a:lstStyle>
+            <a:lvl1pPr algn="r">
+              <a:defRPr sz="1200"/>
+            </a:lvl1pPr>
+          </a:lstStyle>
+          <a:p>
+            <a:fld id="{F6B0FBFC-09E3-45F3-83D8-E19C12891818}" type="datetimeFigureOut">
+              <a:rPr lang="en-GB" smtClean="0"/>
+              <a:t>04/11/2022</a:t>
+            </a:fld>
+            <a:endParaRPr lang="en-GB"/>
+          </a:p>
+        </p:txBody>
+      </p:sp>
+      <p:sp>
+        <p:nvSpPr>
+          <p:cNvPr id="4" name="Folienbildplatzhalter 3"/>
+          <p:cNvSpPr>
+            <a:spLocks noGrp="1" noRot="1" noChangeAspect="1"/>
+          </p:cNvSpPr>
+          <p:nvPr>
+            <p:ph type="sldImg" idx="2"/>
+          </p:nvPr>
+        </p:nvSpPr>
+        <p:spPr>
+          <a:xfrm>
+            <a:off x="685800" y="1143000"/>
+            <a:ext cx="5486400" cy="3086100"/>
+          </a:xfrm>
+          <a:prstGeom prst="rect">
+            <a:avLst/>
+          </a:prstGeom>
+          <a:noFill/>
+          <a:ln w="12700">
+            <a:solidFill>
+              <a:prstClr val="black"/>
+            </a:solidFill>
+          </a:ln>
+        </p:spPr>
+        <p:txBody>
+          <a:bodyPr vert="horz" lIns="91440" tIns="45720" rIns="91440" bIns="45720" rtlCol="0" anchor="ctr"/>
+          <a:lstStyle/>
+          <a:p>
+            <a:endParaRPr lang="en-GB"/>
+          </a:p>
+        </p:txBody>
+      </p:sp>
+      <p:sp>
+        <p:nvSpPr>
+          <p:cNvPr id="5" name="Notizenplatzhalter 4"/>
+          <p:cNvSpPr>
+            <a:spLocks noGrp="1"/>
+          </p:cNvSpPr>
+          <p:nvPr>
+            <p:ph type="body" sz="quarter" idx="3"/>
+          </p:nvPr>
+        </p:nvSpPr>
+        <p:spPr>
+          <a:xfrm>
+            <a:off x="685800" y="4400550"/>
+            <a:ext cx="5486400" cy="3600450"/>
+          </a:xfrm>
+          <a:prstGeom prst="rect">
+            <a:avLst/>
+          </a:prstGeom>
+        </p:spPr>
+        <p:txBody>
+          <a:bodyPr vert="horz" lIns="91440" tIns="45720" rIns="91440" bIns="45720" rtlCol="0"/>
+          <a:lstStyle/>
+          <a:p>
+            <a:pPr lvl="0"/>
+            <a:r>
+              <a:rPr lang="de-DE" smtClean="0"/>
+              <a:t>Textmasterformat bearbeiten</a:t>
+            </a:r>
+          </a:p>
+          <a:p>
+            <a:pPr lvl="1"/>
+            <a:r>
+              <a:rPr lang="de-DE" smtClean="0"/>
+              <a:t>Zweite Ebene</a:t>
+            </a:r>
+          </a:p>
+          <a:p>
+            <a:pPr lvl="2"/>
+            <a:r>
+              <a:rPr lang="de-DE" smtClean="0"/>
+              <a:t>Dritte Ebene</a:t>
+            </a:r>
+          </a:p>
+          <a:p>
+            <a:pPr lvl="3"/>
+            <a:r>
+              <a:rPr lang="de-DE" smtClean="0"/>
+              <a:t>Vierte Ebene</a:t>
+            </a:r>
+          </a:p>
+          <a:p>
+            <a:pPr lvl="4"/>
+            <a:r>
+              <a:rPr lang="de-DE" smtClean="0"/>
+              <a:t>Fünfte Ebene</a:t>
+            </a:r>
+            <a:endParaRPr lang="en-GB"/>
+          </a:p>
+        </p:txBody>
+      </p:sp>
+      <p:sp>
+        <p:nvSpPr>
+          <p:cNvPr id="6" name="Fußzeilenplatzhalter 5"/>
+          <p:cNvSpPr>
+            <a:spLocks noGrp="1"/>
+          </p:cNvSpPr>
+          <p:nvPr>
+            <p:ph type="ftr" sz="quarter" idx="4"/>
+          </p:nvPr>
+        </p:nvSpPr>
+        <p:spPr>
+          <a:xfrm>
+            <a:off x="0" y="8685213"/>
+            <a:ext cx="2971800" cy="458787"/>
+          </a:xfrm>
+          <a:prstGeom prst="rect">
+            <a:avLst/>
+          </a:prstGeom>
+        </p:spPr>
+        <p:txBody>
+          <a:bodyPr vert="horz" lIns="91440" tIns="45720" rIns="91440" bIns="45720" rtlCol="0" anchor="b"/>
+          <a:lstStyle>
+            <a:lvl1pPr algn="l">
+              <a:defRPr sz="1200"/>
+            </a:lvl1pPr>
+          </a:lstStyle>
+          <a:p>
+            <a:endParaRPr lang="en-GB"/>
+          </a:p>
+        </p:txBody>
+      </p:sp>
+      <p:sp>
+        <p:nvSpPr>
+          <p:cNvPr id="7" name="Foliennummernplatzhalter 6"/>
+          <p:cNvSpPr>
+            <a:spLocks noGrp="1"/>
+          </p:cNvSpPr>
+          <p:nvPr>
+            <p:ph type="sldNum" sz="quarter" idx="5"/>
+          </p:nvPr>
+        </p:nvSpPr>
+        <p:spPr>
+          <a:xfrm>
+            <a:off x="3884613" y="8685213"/>
+            <a:ext cx="2971800" cy="458787"/>
+          </a:xfrm>
+          <a:prstGeom prst="rect">
+            <a:avLst/>
+          </a:prstGeom>
+        </p:spPr>
+        <p:txBody>
+          <a:bodyPr vert="horz" lIns="91440" tIns="45720" rIns="91440" bIns="45720" rtlCol="0" anchor="b"/>
+          <a:lstStyle>
+            <a:lvl1pPr algn="r">
+              <a:defRPr sz="1200"/>
+            </a:lvl1pPr>
+          </a:lstStyle>
+          <a:p>
+            <a:fld id="{A9819A8C-936B-46B6-9570-49EFADD8C0C7}" type="slidenum">
+              <a:rPr lang="en-GB" smtClean="0"/>
+              <a:t>‹Nr.›</a:t>
+            </a:fld>
+            <a:endParaRPr lang="en-GB"/>
+          </a:p>
+        </p:txBody>
+      </p:sp>
+    </p:spTree>
+    <p:extLst>
+      <p:ext uri="{BB962C8B-B14F-4D97-AF65-F5344CB8AC3E}">
+        <p14:creationId xmlns:p14="http://schemas.microsoft.com/office/powerpoint/2010/main" val="3152095465"/>
+      </p:ext>
+    </p:extLst>
+  </p:cSld>
+  <p:clrMap bg1="lt1" tx1="dk1" bg2="lt2" tx2="dk2" accent1="accent1" accent2="accent2" accent3="accent3" accent4="accent4" accent5="accent5" accent6="accent6" hlink="hlink" folHlink="folHlink"/>
+  <p:notesStyle>
+    <a:lvl1pPr marL="0" algn="l" defTabSz="914400" rtl="0" eaLnBrk="1" latinLnBrk="0" hangingPunct="1">
+      <a:defRPr sz="1200" kern="1200">
+        <a:solidFill>
+          <a:schemeClr val="tx1"/>
+        </a:solidFill>
+        <a:latin typeface="+mn-lt"/>
+        <a:ea typeface="+mn-ea"/>
+        <a:cs typeface="+mn-cs"/>
+      </a:defRPr>
+    </a:lvl1pPr>
+    <a:lvl2pPr marL="457200" algn="l" defTabSz="914400" rtl="0" eaLnBrk="1" latinLnBrk="0" hangingPunct="1">
+      <a:defRPr sz="1200" kern="1200">
+        <a:solidFill>
+          <a:schemeClr val="tx1"/>
+        </a:solidFill>
+        <a:latin typeface="+mn-lt"/>
+        <a:ea typeface="+mn-ea"/>
+        <a:cs typeface="+mn-cs"/>
+      </a:defRPr>
+    </a:lvl2pPr>
+    <a:lvl3pPr marL="914400" algn="l" defTabSz="914400" rtl="0" eaLnBrk="1" latinLnBrk="0" hangingPunct="1">
+      <a:defRPr sz="1200" kern="1200">
+        <a:solidFill>
+          <a:schemeClr val="tx1"/>
+        </a:solidFill>
+        <a:latin typeface="+mn-lt"/>
+        <a:ea typeface="+mn-ea"/>
+        <a:cs typeface="+mn-cs"/>
+      </a:defRPr>
+    </a:lvl3pPr>
+    <a:lvl4pPr marL="1371600" algn="l" defTabSz="914400" rtl="0" eaLnBrk="1" latinLnBrk="0" hangingPunct="1">
+      <a:defRPr sz="1200" kern="1200">
+        <a:solidFill>
+          <a:schemeClr val="tx1"/>
+        </a:solidFill>
+        <a:latin typeface="+mn-lt"/>
+        <a:ea typeface="+mn-ea"/>
+        <a:cs typeface="+mn-cs"/>
+      </a:defRPr>
+    </a:lvl4pPr>
+    <a:lvl5pPr marL="1828800" algn="l" defTabSz="914400" rtl="0" eaLnBrk="1" latinLnBrk="0" hangingPunct="1">
+      <a:defRPr sz="1200" kern="1200">
+        <a:solidFill>
+          <a:schemeClr val="tx1"/>
+        </a:solidFill>
+        <a:latin typeface="+mn-lt"/>
+        <a:ea typeface="+mn-ea"/>
+        <a:cs typeface="+mn-cs"/>
+      </a:defRPr>
+    </a:lvl5pPr>
+    <a:lvl6pPr marL="2286000" algn="l" defTabSz="914400" rtl="0" eaLnBrk="1" latinLnBrk="0" hangingPunct="1">
+      <a:defRPr sz="1200" kern="1200">
+        <a:solidFill>
+          <a:schemeClr val="tx1"/>
+        </a:solidFill>
+        <a:latin typeface="+mn-lt"/>
+        <a:ea typeface="+mn-ea"/>
+        <a:cs typeface="+mn-cs"/>
+      </a:defRPr>
+    </a:lvl6pPr>
+    <a:lvl7pPr marL="2743200" algn="l" defTabSz="914400" rtl="0" eaLnBrk="1" latinLnBrk="0" hangingPunct="1">
+      <a:defRPr sz="1200" kern="1200">
+        <a:solidFill>
+          <a:schemeClr val="tx1"/>
+        </a:solidFill>
+        <a:latin typeface="+mn-lt"/>
+        <a:ea typeface="+mn-ea"/>
+        <a:cs typeface="+mn-cs"/>
+      </a:defRPr>
+    </a:lvl7pPr>
+    <a:lvl8pPr marL="3200400" algn="l" defTabSz="914400" rtl="0" eaLnBrk="1" latinLnBrk="0" hangingPunct="1">
+      <a:defRPr sz="1200" kern="1200">
+        <a:solidFill>
+          <a:schemeClr val="tx1"/>
+        </a:solidFill>
+        <a:latin typeface="+mn-lt"/>
+        <a:ea typeface="+mn-ea"/>
+        <a:cs typeface="+mn-cs"/>
+      </a:defRPr>
+    </a:lvl8pPr>
+    <a:lvl9pPr marL="3657600" algn="l" defTabSz="914400" rtl="0" eaLnBrk="1" latinLnBrk="0" hangingPunct="1">
+      <a:defRPr sz="1200" kern="1200">
+        <a:solidFill>
+          <a:schemeClr val="tx1"/>
+        </a:solidFill>
+        <a:latin typeface="+mn-lt"/>
+        <a:ea typeface="+mn-ea"/>
+        <a:cs typeface="+mn-cs"/>
+      </a:defRPr>
+    </a:lvl9pPr>
+  </p:notesStyle>
+</p:notesMaster>
+</file>
+
+<file path=ppt/notesSlides/notesSlide1.xml><?xml version="1.0" encoding="utf-8"?>
+<p:notes xmlns:a="http://schemas.openxmlformats.org/drawingml/2006/main" xmlns:r="http://schemas.openxmlformats.org/officeDocument/2006/relationships" xmlns:p="http://schemas.openxmlformats.org/presentationml/2006/main">
+  <p:cSld>
+    <p:spTree>
+      <p:nvGrpSpPr>
+        <p:cNvPr id="1" name=""/>
+        <p:cNvGrpSpPr/>
+        <p:nvPr/>
+      </p:nvGrpSpPr>
+      <p:grpSpPr>
+        <a:xfrm>
+          <a:off x="0" y="0"/>
+          <a:ext cx="0" cy="0"/>
+          <a:chOff x="0" y="0"/>
+          <a:chExt cx="0" cy="0"/>
+        </a:xfrm>
+      </p:grpSpPr>
+      <p:sp>
+        <p:nvSpPr>
+          <p:cNvPr id="2" name="Folienbildplatzhalter 1"/>
+          <p:cNvSpPr>
+            <a:spLocks noGrp="1" noRot="1" noChangeAspect="1"/>
+          </p:cNvSpPr>
+          <p:nvPr>
+            <p:ph type="sldImg"/>
+          </p:nvPr>
+        </p:nvSpPr>
+        <p:spPr/>
+      </p:sp>
+      <p:sp>
+        <p:nvSpPr>
+          <p:cNvPr id="3" name="Notizenplatzhalter 2"/>
+          <p:cNvSpPr>
+            <a:spLocks noGrp="1"/>
+          </p:cNvSpPr>
+          <p:nvPr>
+            <p:ph type="body" idx="1"/>
+          </p:nvPr>
+        </p:nvSpPr>
+        <p:spPr/>
+        <p:txBody>
+          <a:bodyPr/>
+          <a:lstStyle/>
+          <a:p>
+            <a:endParaRPr lang="en-GB"/>
+          </a:p>
+        </p:txBody>
+      </p:sp>
+      <p:sp>
+        <p:nvSpPr>
+          <p:cNvPr id="4" name="Foliennummernplatzhalter 3"/>
+          <p:cNvSpPr>
+            <a:spLocks noGrp="1"/>
+          </p:cNvSpPr>
+          <p:nvPr>
+            <p:ph type="sldNum" sz="quarter" idx="10"/>
+          </p:nvPr>
+        </p:nvSpPr>
+        <p:spPr/>
+        <p:txBody>
+          <a:bodyPr/>
+          <a:lstStyle/>
+          <a:p>
+            <a:fld id="{A9819A8C-936B-46B6-9570-49EFADD8C0C7}" type="slidenum">
+              <a:rPr lang="en-GB" smtClean="0"/>
+              <a:t>10</a:t>
+            </a:fld>
+            <a:endParaRPr lang="en-GB"/>
+          </a:p>
+        </p:txBody>
+      </p:sp>
+    </p:spTree>
+    <p:extLst>
+      <p:ext uri="{BB962C8B-B14F-4D97-AF65-F5344CB8AC3E}">
+        <p14:creationId xmlns:p14="http://schemas.microsoft.com/office/powerpoint/2010/main" val="1147615994"/>
+      </p:ext>
+    </p:extLst>
+  </p:cSld>
+  <p:clrMapOvr>
+    <a:masterClrMapping/>
+  </p:clrMapOvr>
+</p:notes>
+</file>
+
 <file path=ppt/slideLayouts/slideLayout1.xml><?xml version="1.0" encoding="utf-8"?>
 <p:sldLayout xmlns:a="http://schemas.openxmlformats.org/drawingml/2006/main" xmlns:r="http://schemas.openxmlformats.org/officeDocument/2006/relationships" xmlns:p="http://schemas.openxmlformats.org/presentationml/2006/main" showMasterSp="0" type="title" preserve="1">
   <p:cSld name="Titelfolie">
@@ -361,7 +798,7 @@
           <a:bodyPr/>
           <a:lstStyle/>
           <a:p>
-            <a:fld id="{66C97004-44C5-471E-9796-A7F8D201D490}" type="datetimeFigureOut">
+            <a:fld id="{76D0291F-B3AB-4346-9672-7E3ADA61F0D2}" type="datetime1">
               <a:rPr lang="en-GB" smtClean="0"/>
               <a:t>04/11/2022</a:t>
             </a:fld>
@@ -569,7 +1006,7 @@
           <a:bodyPr/>
           <a:lstStyle/>
           <a:p>
-            <a:fld id="{66C97004-44C5-471E-9796-A7F8D201D490}" type="datetimeFigureOut">
+            <a:fld id="{236F427C-824D-416E-A193-5EEAEA7DF7D2}" type="datetime1">
               <a:rPr lang="en-GB" smtClean="0"/>
               <a:t>04/11/2022</a:t>
             </a:fld>
@@ -825,7 +1262,7 @@
           <a:bodyPr/>
           <a:lstStyle/>
           <a:p>
-            <a:fld id="{66C97004-44C5-471E-9796-A7F8D201D490}" type="datetimeFigureOut">
+            <a:fld id="{C1A77D47-B161-469B-A499-CACD58EE9B71}" type="datetime1">
               <a:rPr lang="en-GB" smtClean="0"/>
               <a:t>04/11/2022</a:t>
             </a:fld>
@@ -999,7 +1436,7 @@
           <a:bodyPr/>
           <a:lstStyle/>
           <a:p>
-            <a:fld id="{66C97004-44C5-471E-9796-A7F8D201D490}" type="datetimeFigureOut">
+            <a:fld id="{FA1A69DF-5073-4C56-AEA6-A1C59A2CBECE}" type="datetime1">
               <a:rPr lang="en-GB" smtClean="0"/>
               <a:t>04/11/2022</a:t>
             </a:fld>
@@ -1342,7 +1779,7 @@
           <a:bodyPr/>
           <a:lstStyle/>
           <a:p>
-            <a:fld id="{66C97004-44C5-471E-9796-A7F8D201D490}" type="datetimeFigureOut">
+            <a:fld id="{D9699492-16EB-4A63-A601-5D0FA80A627F}" type="datetime1">
               <a:rPr lang="en-GB" smtClean="0"/>
               <a:t>04/11/2022</a:t>
             </a:fld>
@@ -1617,7 +2054,7 @@
           <a:bodyPr/>
           <a:lstStyle/>
           <a:p>
-            <a:fld id="{66C97004-44C5-471E-9796-A7F8D201D490}" type="datetimeFigureOut">
+            <a:fld id="{5BBEE1D2-CFDD-4364-970C-81DADFBFBAFC}" type="datetime1">
               <a:rPr lang="en-GB" smtClean="0"/>
               <a:t>04/11/2022</a:t>
             </a:fld>
@@ -1996,7 +2433,7 @@
           <a:bodyPr/>
           <a:lstStyle/>
           <a:p>
-            <a:fld id="{66C97004-44C5-471E-9796-A7F8D201D490}" type="datetimeFigureOut">
+            <a:fld id="{8953AB2F-001A-454F-9F04-5D68A3B254B9}" type="datetime1">
               <a:rPr lang="en-GB" smtClean="0"/>
               <a:t>04/11/2022</a:t>
             </a:fld>
@@ -2114,7 +2551,7 @@
           <a:bodyPr/>
           <a:lstStyle/>
           <a:p>
-            <a:fld id="{66C97004-44C5-471E-9796-A7F8D201D490}" type="datetimeFigureOut">
+            <a:fld id="{B2E73741-B762-4E4C-A5CB-EF62F0AB5A7C}" type="datetime1">
               <a:rPr lang="en-GB" smtClean="0"/>
               <a:t>04/11/2022</a:t>
             </a:fld>
@@ -2285,7 +2722,7 @@
           <a:bodyPr/>
           <a:lstStyle/>
           <a:p>
-            <a:fld id="{66C97004-44C5-471E-9796-A7F8D201D490}" type="datetimeFigureOut">
+            <a:fld id="{C6836FF6-3A77-4922-9E50-96421F21854B}" type="datetime1">
               <a:rPr lang="en-GB" smtClean="0"/>
               <a:t>04/11/2022</a:t>
             </a:fld>
@@ -2639,7 +3076,7 @@
             </a:lvl1pPr>
           </a:lstStyle>
           <a:p>
-            <a:fld id="{66C97004-44C5-471E-9796-A7F8D201D490}" type="datetimeFigureOut">
+            <a:fld id="{ADFCD003-8C00-4EC4-BC48-79484B277DC3}" type="datetime1">
               <a:rPr lang="en-GB" smtClean="0"/>
               <a:t>04/11/2022</a:t>
             </a:fld>
@@ -3021,7 +3458,7 @@
           <a:bodyPr/>
           <a:lstStyle/>
           <a:p>
-            <a:fld id="{66C97004-44C5-471E-9796-A7F8D201D490}" type="datetimeFigureOut">
+            <a:fld id="{CD790C84-4169-47E4-930D-03DA58A42726}" type="datetime1">
               <a:rPr lang="en-GB" smtClean="0"/>
               <a:t>04/11/2022</a:t>
             </a:fld>
@@ -3308,7 +3745,7 @@
             </a:lvl1pPr>
           </a:lstStyle>
           <a:p>
-            <a:fld id="{66C97004-44C5-471E-9796-A7F8D201D490}" type="datetimeFigureOut">
+            <a:fld id="{EB52EE75-9AC6-448A-9041-23E41A3B6F92}" type="datetime1">
               <a:rPr lang="en-GB" smtClean="0"/>
               <a:t>04/11/2022</a:t>
             </a:fld>
@@ -3449,6 +3886,7 @@
     <p:sldLayoutId id="2147483670" r:id="rId10"/>
     <p:sldLayoutId id="2147483671" r:id="rId11"/>
   </p:sldLayoutIdLst>
+  <p:hf hdr="0" ftr="0" dt="0"/>
   <p:txStyles>
     <p:titleStyle>
       <a:lvl1pPr algn="l" defTabSz="914400" rtl="0" eaLnBrk="1" latinLnBrk="0" hangingPunct="1">
@@ -3913,6 +4351,29 @@
           </a:p>
         </p:txBody>
       </p:sp>
+      <p:sp>
+        <p:nvSpPr>
+          <p:cNvPr id="4" name="Foliennummernplatzhalter 3"/>
+          <p:cNvSpPr>
+            <a:spLocks noGrp="1"/>
+          </p:cNvSpPr>
+          <p:nvPr>
+            <p:ph type="sldNum" sz="quarter" idx="12"/>
+          </p:nvPr>
+        </p:nvSpPr>
+        <p:spPr/>
+        <p:txBody>
+          <a:bodyPr/>
+          <a:lstStyle/>
+          <a:p>
+            <a:fld id="{D3800FA2-755D-4EFE-9307-15549B0F359C}" type="slidenum">
+              <a:rPr lang="en-GB" smtClean="0"/>
+              <a:t>1</a:t>
+            </a:fld>
+            <a:endParaRPr lang="en-GB"/>
+          </a:p>
+        </p:txBody>
+      </p:sp>
     </p:spTree>
     <p:extLst>
       <p:ext uri="{BB962C8B-B14F-4D97-AF65-F5344CB8AC3E}">
@@ -4008,52 +4469,74 @@
               <a:rPr lang="en-US" sz="2800" dirty="0" smtClean="0"/>
               <a:t>Published 2019</a:t>
             </a:r>
+          </a:p>
+          <a:p>
+            <a:r>
+              <a:rPr lang="en-US" sz="2800" dirty="0"/>
+              <a:t>P</a:t>
+            </a:r>
+            <a:r>
+              <a:rPr lang="en-US" sz="2800" dirty="0" smtClean="0"/>
+              <a:t>assive adversary with honest majority</a:t>
+            </a:r>
+          </a:p>
+          <a:p>
+            <a:r>
+              <a:rPr lang="en-US" sz="2800" dirty="0" err="1" smtClean="0"/>
+              <a:t>UNION,Equi-join,SUM,Projection</a:t>
+            </a:r>
             <a:endParaRPr lang="en-US" sz="2800" dirty="0" smtClean="0"/>
           </a:p>
           <a:p>
             <a:r>
-              <a:rPr lang="en-US" sz="2800" dirty="0"/>
-              <a:t>P</a:t>
-            </a:r>
-            <a:r>
               <a:rPr lang="en-US" sz="2800" dirty="0" smtClean="0"/>
-              <a:t>assive adversary with honest majority</a:t>
+              <a:t>Implemented on top of </a:t>
+            </a:r>
+            <a:r>
+              <a:rPr lang="en-US" sz="2800" dirty="0" err="1" smtClean="0"/>
+              <a:t>Sharmind</a:t>
+            </a:r>
+            <a:r>
+              <a:rPr lang="en-US" sz="2800" dirty="0" smtClean="0"/>
+              <a:t> and </a:t>
+            </a:r>
+            <a:r>
+              <a:rPr lang="en-US" sz="2800" dirty="0" err="1" smtClean="0"/>
+              <a:t>Obliv</a:t>
+            </a:r>
+            <a:r>
+              <a:rPr lang="en-US" sz="2800" dirty="0" smtClean="0"/>
+              <a:t>-C</a:t>
             </a:r>
           </a:p>
           <a:p>
             <a:r>
-              <a:rPr lang="en-US" sz="2800" dirty="0" err="1" smtClean="0"/>
-              <a:t>UNION,Equi-join,SUM,Projection</a:t>
-            </a:r>
-            <a:endParaRPr lang="en-US" sz="2800" dirty="0" smtClean="0"/>
-          </a:p>
-          <a:p>
-            <a:r>
-              <a:rPr lang="en-US" sz="2800" dirty="0" smtClean="0"/>
-              <a:t>Implemented on top of </a:t>
-            </a:r>
-            <a:r>
-              <a:rPr lang="en-US" sz="2800" dirty="0" err="1" smtClean="0"/>
-              <a:t>Sharmind</a:t>
-            </a:r>
-            <a:r>
-              <a:rPr lang="en-US" sz="2800" dirty="0" smtClean="0"/>
-              <a:t> and </a:t>
-            </a:r>
-            <a:r>
-              <a:rPr lang="en-US" sz="2800" dirty="0" err="1" smtClean="0"/>
-              <a:t>Obliv</a:t>
-            </a:r>
-            <a:r>
-              <a:rPr lang="en-US" sz="2800" dirty="0" smtClean="0"/>
-              <a:t>-C</a:t>
-            </a:r>
-          </a:p>
-          <a:p>
-            <a:r>
               <a:rPr lang="en-US" sz="2800" dirty="0" smtClean="0"/>
               <a:t>Improve accessibility of MPC for none experts</a:t>
             </a:r>
+          </a:p>
+        </p:txBody>
+      </p:sp>
+      <p:sp>
+        <p:nvSpPr>
+          <p:cNvPr id="2" name="Foliennummernplatzhalter 1"/>
+          <p:cNvSpPr>
+            <a:spLocks noGrp="1"/>
+          </p:cNvSpPr>
+          <p:nvPr>
+            <p:ph type="sldNum" sz="quarter" idx="12"/>
+          </p:nvPr>
+        </p:nvSpPr>
+        <p:spPr/>
+        <p:txBody>
+          <a:bodyPr/>
+          <a:lstStyle/>
+          <a:p>
+            <a:fld id="{D3800FA2-755D-4EFE-9307-15549B0F359C}" type="slidenum">
+              <a:rPr lang="en-GB" smtClean="0"/>
+              <a:t>10</a:t>
+            </a:fld>
+            <a:endParaRPr lang="en-GB"/>
           </a:p>
         </p:txBody>
       </p:sp>
@@ -4200,7 +4683,6 @@
               <a:rPr lang="de-DE" sz="2800" dirty="0" smtClean="0"/>
               <a:t>, UNION  </a:t>
             </a:r>
-            <a:endParaRPr lang="de-DE" sz="2800" dirty="0" smtClean="0"/>
           </a:p>
           <a:p>
             <a:r>
@@ -4213,6 +4695,29 @@
               <a:rPr lang="en-US" sz="2800" dirty="0" smtClean="0"/>
               <a:t>Main contribution new highly efficient join protocol</a:t>
             </a:r>
+          </a:p>
+        </p:txBody>
+      </p:sp>
+      <p:sp>
+        <p:nvSpPr>
+          <p:cNvPr id="4" name="Foliennummernplatzhalter 3"/>
+          <p:cNvSpPr>
+            <a:spLocks noGrp="1"/>
+          </p:cNvSpPr>
+          <p:nvPr>
+            <p:ph type="sldNum" sz="quarter" idx="12"/>
+          </p:nvPr>
+        </p:nvSpPr>
+        <p:spPr/>
+        <p:txBody>
+          <a:bodyPr/>
+          <a:lstStyle/>
+          <a:p>
+            <a:fld id="{D3800FA2-755D-4EFE-9307-15549B0F359C}" type="slidenum">
+              <a:rPr lang="en-GB" smtClean="0"/>
+              <a:t>11</a:t>
+            </a:fld>
+            <a:endParaRPr lang="en-GB"/>
           </a:p>
         </p:txBody>
       </p:sp>
@@ -4311,7 +4816,7 @@
           <a:p>
             <a:r>
               <a:rPr lang="en-US" sz="2800" dirty="0" smtClean="0"/>
-              <a:t>Bugs </a:t>
+              <a:t>Various Bugs and missing error handling </a:t>
             </a:r>
           </a:p>
           <a:p>
@@ -4319,6 +4824,29 @@
           </a:p>
           <a:p>
             <a:endParaRPr lang="en-US" dirty="0"/>
+          </a:p>
+        </p:txBody>
+      </p:sp>
+      <p:sp>
+        <p:nvSpPr>
+          <p:cNvPr id="4" name="Foliennummernplatzhalter 3"/>
+          <p:cNvSpPr>
+            <a:spLocks noGrp="1"/>
+          </p:cNvSpPr>
+          <p:nvPr>
+            <p:ph type="sldNum" sz="quarter" idx="12"/>
+          </p:nvPr>
+        </p:nvSpPr>
+        <p:spPr/>
+        <p:txBody>
+          <a:bodyPr/>
+          <a:lstStyle/>
+          <a:p>
+            <a:fld id="{D3800FA2-755D-4EFE-9307-15549B0F359C}" type="slidenum">
+              <a:rPr lang="en-GB" smtClean="0"/>
+              <a:t>12</a:t>
+            </a:fld>
+            <a:endParaRPr lang="en-GB"/>
           </a:p>
         </p:txBody>
       </p:sp>
@@ -4401,7 +4929,7 @@
           <a:p>
             <a:r>
               <a:rPr lang="en-US" sz="2800" dirty="0" smtClean="0"/>
-              <a:t>Both Conclave and SMCQL use preexisting MPC framework </a:t>
+              <a:t>Both Conclave and SMCQL use preexisting MPC frameworks</a:t>
             </a:r>
           </a:p>
           <a:p>
@@ -4415,7 +4943,6 @@
               <a:rPr lang="en-US" sz="2800" dirty="0" smtClean="0"/>
               <a:t>Comparable security assumptions</a:t>
             </a:r>
-            <a:endParaRPr lang="en-US" sz="2800" dirty="0" smtClean="0"/>
           </a:p>
           <a:p>
             <a:r>
@@ -4423,6 +4950,29 @@
               <a:t>Generally ABY3 has worst usability and Conclave best</a:t>
             </a:r>
             <a:endParaRPr lang="en-US" sz="2800" dirty="0"/>
+          </a:p>
+        </p:txBody>
+      </p:sp>
+      <p:sp>
+        <p:nvSpPr>
+          <p:cNvPr id="4" name="Foliennummernplatzhalter 3"/>
+          <p:cNvSpPr>
+            <a:spLocks noGrp="1"/>
+          </p:cNvSpPr>
+          <p:nvPr>
+            <p:ph type="sldNum" sz="quarter" idx="12"/>
+          </p:nvPr>
+        </p:nvSpPr>
+        <p:spPr/>
+        <p:txBody>
+          <a:bodyPr/>
+          <a:lstStyle/>
+          <a:p>
+            <a:fld id="{D3800FA2-755D-4EFE-9307-15549B0F359C}" type="slidenum">
+              <a:rPr lang="en-GB" smtClean="0"/>
+              <a:t>13</a:t>
+            </a:fld>
+            <a:endParaRPr lang="en-GB"/>
           </a:p>
         </p:txBody>
       </p:sp>
@@ -4531,6 +5081,29 @@
           </a:p>
         </p:txBody>
       </p:sp>
+      <p:sp>
+        <p:nvSpPr>
+          <p:cNvPr id="4" name="Foliennummernplatzhalter 3"/>
+          <p:cNvSpPr>
+            <a:spLocks noGrp="1"/>
+          </p:cNvSpPr>
+          <p:nvPr>
+            <p:ph type="sldNum" sz="quarter" idx="12"/>
+          </p:nvPr>
+        </p:nvSpPr>
+        <p:spPr/>
+        <p:txBody>
+          <a:bodyPr/>
+          <a:lstStyle/>
+          <a:p>
+            <a:fld id="{D3800FA2-755D-4EFE-9307-15549B0F359C}" type="slidenum">
+              <a:rPr lang="en-GB" smtClean="0"/>
+              <a:t>14</a:t>
+            </a:fld>
+            <a:endParaRPr lang="en-GB" dirty="0"/>
+          </a:p>
+        </p:txBody>
+      </p:sp>
     </p:spTree>
     <p:extLst>
       <p:ext uri="{BB962C8B-B14F-4D97-AF65-F5344CB8AC3E}">
@@ -4585,11 +5158,7 @@
           <a:p>
             <a:r>
               <a:rPr lang="en-US" dirty="0" smtClean="0"/>
-              <a:t>Use </a:t>
-            </a:r>
-            <a:r>
-              <a:rPr lang="en-US" dirty="0" smtClean="0"/>
-              <a:t>Case One</a:t>
+              <a:t>Use Case One</a:t>
             </a:r>
             <a:endParaRPr lang="en-US" dirty="0"/>
           </a:p>
@@ -4773,6 +5342,29 @@
           </a:prstGeom>
         </p:spPr>
       </p:pic>
+      <p:sp>
+        <p:nvSpPr>
+          <p:cNvPr id="9" name="Foliennummernplatzhalter 8"/>
+          <p:cNvSpPr>
+            <a:spLocks noGrp="1"/>
+          </p:cNvSpPr>
+          <p:nvPr>
+            <p:ph type="sldNum" sz="quarter" idx="12"/>
+          </p:nvPr>
+        </p:nvSpPr>
+        <p:spPr/>
+        <p:txBody>
+          <a:bodyPr/>
+          <a:lstStyle/>
+          <a:p>
+            <a:fld id="{D3800FA2-755D-4EFE-9307-15549B0F359C}" type="slidenum">
+              <a:rPr lang="en-GB" smtClean="0"/>
+              <a:t>15</a:t>
+            </a:fld>
+            <a:endParaRPr lang="en-GB"/>
+          </a:p>
+        </p:txBody>
+      </p:sp>
     </p:spTree>
     <p:extLst>
       <p:ext uri="{BB962C8B-B14F-4D97-AF65-F5344CB8AC3E}">
@@ -4871,6 +5463,29 @@
           </a:p>
         </p:txBody>
       </p:sp>
+      <p:sp>
+        <p:nvSpPr>
+          <p:cNvPr id="3" name="Foliennummernplatzhalter 2"/>
+          <p:cNvSpPr>
+            <a:spLocks noGrp="1"/>
+          </p:cNvSpPr>
+          <p:nvPr>
+            <p:ph type="sldNum" sz="quarter" idx="12"/>
+          </p:nvPr>
+        </p:nvSpPr>
+        <p:spPr/>
+        <p:txBody>
+          <a:bodyPr/>
+          <a:lstStyle/>
+          <a:p>
+            <a:fld id="{D3800FA2-755D-4EFE-9307-15549B0F359C}" type="slidenum">
+              <a:rPr lang="en-GB" smtClean="0"/>
+              <a:t>16</a:t>
+            </a:fld>
+            <a:endParaRPr lang="en-GB"/>
+          </a:p>
+        </p:txBody>
+      </p:sp>
     </p:spTree>
     <p:extLst>
       <p:ext uri="{BB962C8B-B14F-4D97-AF65-F5344CB8AC3E}">
@@ -4925,11 +5540,7 @@
           <a:p>
             <a:r>
               <a:rPr lang="en-US" dirty="0" smtClean="0"/>
-              <a:t>Use </a:t>
-            </a:r>
-            <a:r>
-              <a:rPr lang="en-US" dirty="0" smtClean="0"/>
-              <a:t>Case </a:t>
+              <a:t>Use Case </a:t>
             </a:r>
             <a:r>
               <a:rPr lang="en-US" dirty="0"/>
@@ -8655,6 +9266,29 @@
           </a:graphicData>
         </a:graphic>
       </p:graphicFrame>
+      <p:sp>
+        <p:nvSpPr>
+          <p:cNvPr id="4" name="Foliennummernplatzhalter 3"/>
+          <p:cNvSpPr>
+            <a:spLocks noGrp="1"/>
+          </p:cNvSpPr>
+          <p:nvPr>
+            <p:ph type="sldNum" sz="quarter" idx="12"/>
+          </p:nvPr>
+        </p:nvSpPr>
+        <p:spPr/>
+        <p:txBody>
+          <a:bodyPr/>
+          <a:lstStyle/>
+          <a:p>
+            <a:fld id="{D3800FA2-755D-4EFE-9307-15549B0F359C}" type="slidenum">
+              <a:rPr lang="en-GB" smtClean="0"/>
+              <a:t>17</a:t>
+            </a:fld>
+            <a:endParaRPr lang="en-GB"/>
+          </a:p>
+        </p:txBody>
+      </p:sp>
     </p:spTree>
     <p:extLst>
       <p:ext uri="{BB962C8B-B14F-4D97-AF65-F5344CB8AC3E}">
@@ -8713,11 +9347,7 @@
             </a:r>
             <a:r>
               <a:rPr lang="en-US" dirty="0" smtClean="0"/>
-              <a:t>C</a:t>
-            </a:r>
-            <a:r>
-              <a:rPr lang="en-US" dirty="0" smtClean="0"/>
-              <a:t>ase </a:t>
+              <a:t>Case </a:t>
             </a:r>
             <a:r>
               <a:rPr lang="en-US" dirty="0"/>
@@ -8981,6 +9611,29 @@
             <a:endParaRPr lang="de-DE" dirty="0"/>
           </a:p>
           <a:p>
+            <a:endParaRPr lang="en-GB" dirty="0"/>
+          </a:p>
+        </p:txBody>
+      </p:sp>
+      <p:sp>
+        <p:nvSpPr>
+          <p:cNvPr id="4" name="Foliennummernplatzhalter 3"/>
+          <p:cNvSpPr>
+            <a:spLocks noGrp="1"/>
+          </p:cNvSpPr>
+          <p:nvPr>
+            <p:ph type="sldNum" sz="quarter" idx="12"/>
+          </p:nvPr>
+        </p:nvSpPr>
+        <p:spPr/>
+        <p:txBody>
+          <a:bodyPr/>
+          <a:lstStyle/>
+          <a:p>
+            <a:fld id="{D3800FA2-755D-4EFE-9307-15549B0F359C}" type="slidenum">
+              <a:rPr lang="en-GB" smtClean="0"/>
+              <a:t>18</a:t>
+            </a:fld>
             <a:endParaRPr lang="en-GB" dirty="0"/>
           </a:p>
         </p:txBody>
@@ -11883,6 +12536,29 @@
               <a:t>Two</a:t>
             </a:r>
             <a:endParaRPr lang="en-GB" dirty="0"/>
+          </a:p>
+        </p:txBody>
+      </p:sp>
+      <p:sp>
+        <p:nvSpPr>
+          <p:cNvPr id="29" name="Foliennummernplatzhalter 28"/>
+          <p:cNvSpPr>
+            <a:spLocks noGrp="1"/>
+          </p:cNvSpPr>
+          <p:nvPr>
+            <p:ph type="sldNum" sz="quarter" idx="12"/>
+          </p:nvPr>
+        </p:nvSpPr>
+        <p:spPr/>
+        <p:txBody>
+          <a:bodyPr/>
+          <a:lstStyle/>
+          <a:p>
+            <a:fld id="{D3800FA2-755D-4EFE-9307-15549B0F359C}" type="slidenum">
+              <a:rPr lang="en-GB" smtClean="0"/>
+              <a:t>19</a:t>
+            </a:fld>
+            <a:endParaRPr lang="en-GB"/>
           </a:p>
         </p:txBody>
       </p:sp>
@@ -12302,6 +12978,29 @@
               <a:t>Eve</a:t>
             </a:r>
             <a:endParaRPr lang="en-US" dirty="0"/>
+          </a:p>
+        </p:txBody>
+      </p:sp>
+      <p:sp>
+        <p:nvSpPr>
+          <p:cNvPr id="21" name="Foliennummernplatzhalter 20"/>
+          <p:cNvSpPr>
+            <a:spLocks noGrp="1"/>
+          </p:cNvSpPr>
+          <p:nvPr>
+            <p:ph type="sldNum" sz="quarter" idx="12"/>
+          </p:nvPr>
+        </p:nvSpPr>
+        <p:spPr/>
+        <p:txBody>
+          <a:bodyPr/>
+          <a:lstStyle/>
+          <a:p>
+            <a:fld id="{D3800FA2-755D-4EFE-9307-15549B0F359C}" type="slidenum">
+              <a:rPr lang="en-GB" smtClean="0"/>
+              <a:t>2</a:t>
+            </a:fld>
+            <a:endParaRPr lang="en-GB"/>
           </a:p>
         </p:txBody>
       </p:sp>
@@ -19991,6 +20690,29 @@
           </a:extLst>
         </p:spPr>
       </p:pic>
+      <p:sp>
+        <p:nvSpPr>
+          <p:cNvPr id="3" name="Foliennummernplatzhalter 2"/>
+          <p:cNvSpPr>
+            <a:spLocks noGrp="1"/>
+          </p:cNvSpPr>
+          <p:nvPr>
+            <p:ph type="sldNum" sz="quarter" idx="12"/>
+          </p:nvPr>
+        </p:nvSpPr>
+        <p:spPr/>
+        <p:txBody>
+          <a:bodyPr/>
+          <a:lstStyle/>
+          <a:p>
+            <a:fld id="{D3800FA2-755D-4EFE-9307-15549B0F359C}" type="slidenum">
+              <a:rPr lang="en-GB" smtClean="0"/>
+              <a:t>20</a:t>
+            </a:fld>
+            <a:endParaRPr lang="en-GB"/>
+          </a:p>
+        </p:txBody>
+      </p:sp>
     </p:spTree>
     <p:extLst>
       <p:ext uri="{BB962C8B-B14F-4D97-AF65-F5344CB8AC3E}">
@@ -28313,6 +29035,29 @@
           </a:extLst>
         </p:spPr>
       </p:pic>
+      <p:sp>
+        <p:nvSpPr>
+          <p:cNvPr id="2" name="Foliennummernplatzhalter 1"/>
+          <p:cNvSpPr>
+            <a:spLocks noGrp="1"/>
+          </p:cNvSpPr>
+          <p:nvPr>
+            <p:ph type="sldNum" sz="quarter" idx="12"/>
+          </p:nvPr>
+        </p:nvSpPr>
+        <p:spPr/>
+        <p:txBody>
+          <a:bodyPr/>
+          <a:lstStyle/>
+          <a:p>
+            <a:fld id="{D3800FA2-755D-4EFE-9307-15549B0F359C}" type="slidenum">
+              <a:rPr lang="en-GB" smtClean="0"/>
+              <a:t>21</a:t>
+            </a:fld>
+            <a:endParaRPr lang="en-GB"/>
+          </a:p>
+        </p:txBody>
+      </p:sp>
     </p:spTree>
     <p:extLst>
       <p:ext uri="{BB962C8B-B14F-4D97-AF65-F5344CB8AC3E}">
@@ -28408,6 +29153,29 @@
               <a:t>Two</a:t>
             </a:r>
             <a:endParaRPr lang="en-GB" dirty="0"/>
+          </a:p>
+        </p:txBody>
+      </p:sp>
+      <p:sp>
+        <p:nvSpPr>
+          <p:cNvPr id="11" name="Foliennummernplatzhalter 10"/>
+          <p:cNvSpPr>
+            <a:spLocks noGrp="1"/>
+          </p:cNvSpPr>
+          <p:nvPr>
+            <p:ph type="sldNum" sz="quarter" idx="12"/>
+          </p:nvPr>
+        </p:nvSpPr>
+        <p:spPr/>
+        <p:txBody>
+          <a:bodyPr/>
+          <a:lstStyle/>
+          <a:p>
+            <a:fld id="{D3800FA2-755D-4EFE-9307-15549B0F359C}" type="slidenum">
+              <a:rPr lang="en-GB" smtClean="0"/>
+              <a:t>22</a:t>
+            </a:fld>
+            <a:endParaRPr lang="en-GB"/>
           </a:p>
         </p:txBody>
       </p:sp>
@@ -29240,6 +30008,29 @@
           </a:fontRef>
         </p:style>
       </p:cxnSp>
+      <p:sp>
+        <p:nvSpPr>
+          <p:cNvPr id="3" name="Foliennummernplatzhalter 2"/>
+          <p:cNvSpPr>
+            <a:spLocks noGrp="1"/>
+          </p:cNvSpPr>
+          <p:nvPr>
+            <p:ph type="sldNum" sz="quarter" idx="12"/>
+          </p:nvPr>
+        </p:nvSpPr>
+        <p:spPr/>
+        <p:txBody>
+          <a:bodyPr/>
+          <a:lstStyle/>
+          <a:p>
+            <a:fld id="{D3800FA2-755D-4EFE-9307-15549B0F359C}" type="slidenum">
+              <a:rPr lang="en-GB" smtClean="0"/>
+              <a:t>23</a:t>
+            </a:fld>
+            <a:endParaRPr lang="en-GB"/>
+          </a:p>
+        </p:txBody>
+      </p:sp>
     </p:spTree>
     <p:extLst>
       <p:ext uri="{BB962C8B-B14F-4D97-AF65-F5344CB8AC3E}">
@@ -29334,6 +30125,29 @@
           </a:p>
         </p:txBody>
       </p:sp>
+      <p:sp>
+        <p:nvSpPr>
+          <p:cNvPr id="11" name="Foliennummernplatzhalter 10"/>
+          <p:cNvSpPr>
+            <a:spLocks noGrp="1"/>
+          </p:cNvSpPr>
+          <p:nvPr>
+            <p:ph type="sldNum" sz="quarter" idx="12"/>
+          </p:nvPr>
+        </p:nvSpPr>
+        <p:spPr/>
+        <p:txBody>
+          <a:bodyPr/>
+          <a:lstStyle/>
+          <a:p>
+            <a:fld id="{D3800FA2-755D-4EFE-9307-15549B0F359C}" type="slidenum">
+              <a:rPr lang="en-GB" smtClean="0"/>
+              <a:t>24</a:t>
+            </a:fld>
+            <a:endParaRPr lang="en-GB"/>
+          </a:p>
+        </p:txBody>
+      </p:sp>
     </p:spTree>
     <p:extLst>
       <p:ext uri="{BB962C8B-B14F-4D97-AF65-F5344CB8AC3E}">
@@ -29428,6 +30242,29 @@
           </a:p>
           <a:p>
             <a:endParaRPr lang="en-US" dirty="0"/>
+          </a:p>
+        </p:txBody>
+      </p:sp>
+      <p:sp>
+        <p:nvSpPr>
+          <p:cNvPr id="4" name="Foliennummernplatzhalter 3"/>
+          <p:cNvSpPr>
+            <a:spLocks noGrp="1"/>
+          </p:cNvSpPr>
+          <p:nvPr>
+            <p:ph type="sldNum" sz="quarter" idx="12"/>
+          </p:nvPr>
+        </p:nvSpPr>
+        <p:spPr/>
+        <p:txBody>
+          <a:bodyPr/>
+          <a:lstStyle/>
+          <a:p>
+            <a:fld id="{D3800FA2-755D-4EFE-9307-15549B0F359C}" type="slidenum">
+              <a:rPr lang="en-GB" smtClean="0"/>
+              <a:t>25</a:t>
+            </a:fld>
+            <a:endParaRPr lang="en-GB"/>
           </a:p>
         </p:txBody>
       </p:sp>
@@ -29521,6 +30358,29 @@
           </a:prstGeom>
         </p:spPr>
       </p:pic>
+      <p:sp>
+        <p:nvSpPr>
+          <p:cNvPr id="5" name="Foliennummernplatzhalter 4"/>
+          <p:cNvSpPr>
+            <a:spLocks noGrp="1"/>
+          </p:cNvSpPr>
+          <p:nvPr>
+            <p:ph type="sldNum" sz="quarter" idx="12"/>
+          </p:nvPr>
+        </p:nvSpPr>
+        <p:spPr/>
+        <p:txBody>
+          <a:bodyPr/>
+          <a:lstStyle/>
+          <a:p>
+            <a:fld id="{D3800FA2-755D-4EFE-9307-15549B0F359C}" type="slidenum">
+              <a:rPr lang="en-GB" smtClean="0"/>
+              <a:t>26</a:t>
+            </a:fld>
+            <a:endParaRPr lang="en-GB"/>
+          </a:p>
+        </p:txBody>
+      </p:sp>
     </p:spTree>
     <p:extLst>
       <p:ext uri="{BB962C8B-B14F-4D97-AF65-F5344CB8AC3E}">
@@ -29615,8 +30475,12 @@
           </a:p>
           <a:p>
             <a:r>
+              <a:rPr lang="en-US" dirty="0"/>
+              <a:t>A</a:t>
+            </a:r>
+            <a:r>
               <a:rPr lang="en-US" dirty="0" smtClean="0"/>
-              <a:t>arbitrary Function </a:t>
+              <a:t>rbitrary Function </a:t>
             </a:r>
             <a:r>
               <a:rPr lang="de-DE" dirty="0"/>
@@ -29661,8 +30525,12 @@
           </a:p>
           <a:p>
             <a:r>
+              <a:rPr lang="en-US" dirty="0"/>
+              <a:t>P</a:t>
+            </a:r>
+            <a:r>
               <a:rPr lang="en-US" dirty="0" smtClean="0"/>
-              <a:t>protocol</a:t>
+              <a:t>rotocol</a:t>
             </a:r>
             <a:r>
               <a:rPr lang="de-DE" dirty="0" smtClean="0"/>
@@ -29731,6 +30599,29 @@
           </a:p>
           <a:p>
             <a:endParaRPr lang="en-US" dirty="0"/>
+          </a:p>
+        </p:txBody>
+      </p:sp>
+      <p:sp>
+        <p:nvSpPr>
+          <p:cNvPr id="4" name="Foliennummernplatzhalter 3"/>
+          <p:cNvSpPr>
+            <a:spLocks noGrp="1"/>
+          </p:cNvSpPr>
+          <p:nvPr>
+            <p:ph type="sldNum" sz="quarter" idx="12"/>
+          </p:nvPr>
+        </p:nvSpPr>
+        <p:spPr/>
+        <p:txBody>
+          <a:bodyPr/>
+          <a:lstStyle/>
+          <a:p>
+            <a:fld id="{D3800FA2-755D-4EFE-9307-15549B0F359C}" type="slidenum">
+              <a:rPr lang="en-GB" smtClean="0"/>
+              <a:t>3</a:t>
+            </a:fld>
+            <a:endParaRPr lang="en-GB"/>
           </a:p>
         </p:txBody>
       </p:sp>
@@ -29810,8 +30701,12 @@
           <a:lstStyle/>
           <a:p>
             <a:r>
+              <a:rPr lang="en-US" sz="2800" dirty="0"/>
+              <a:t>A</a:t>
+            </a:r>
+            <a:r>
               <a:rPr lang="en-US" sz="2800" dirty="0" smtClean="0"/>
-              <a:t>adversary corrupts one or more parties</a:t>
+              <a:t>dversary corrupts one or more parties</a:t>
             </a:r>
           </a:p>
           <a:p>
@@ -29823,34 +30718,41 @@
           <a:p>
             <a:r>
               <a:rPr lang="en-US" sz="2800" dirty="0" smtClean="0"/>
-              <a:t>passive</a:t>
-            </a:r>
-            <a:r>
-              <a:rPr lang="en-US" sz="2800" dirty="0" smtClean="0"/>
-              <a:t>: </a:t>
-            </a:r>
-            <a:r>
-              <a:rPr lang="en-US" sz="2800" dirty="0" smtClean="0"/>
-              <a:t>read </a:t>
-            </a:r>
-            <a:r>
-              <a:rPr lang="en-US" sz="2800" dirty="0" smtClean="0"/>
-              <a:t>only adversary, cannot deviate from the protocol </a:t>
+              <a:t>Passive: read only adversary, cannot deviate from the protocol </a:t>
             </a:r>
           </a:p>
           <a:p>
             <a:r>
+              <a:rPr lang="en-US" sz="2800" dirty="0"/>
+              <a:t>A</a:t>
+            </a:r>
+            <a:r>
               <a:rPr lang="en-US" sz="2800" dirty="0" smtClean="0"/>
-              <a:t>active:  </a:t>
-            </a:r>
-            <a:r>
-              <a:rPr lang="en-US" sz="2800" dirty="0" smtClean="0"/>
-              <a:t>deviates </a:t>
-            </a:r>
-            <a:r>
-              <a:rPr lang="en-US" sz="2800" dirty="0" smtClean="0"/>
-              <a:t>arbitrary from the protocol</a:t>
-            </a:r>
+              <a:t>ctive:  deviates arbitrary from the protocol</a:t>
+            </a:r>
+          </a:p>
+        </p:txBody>
+      </p:sp>
+      <p:sp>
+        <p:nvSpPr>
+          <p:cNvPr id="4" name="Foliennummernplatzhalter 3"/>
+          <p:cNvSpPr>
+            <a:spLocks noGrp="1"/>
+          </p:cNvSpPr>
+          <p:nvPr>
+            <p:ph type="sldNum" sz="quarter" idx="12"/>
+          </p:nvPr>
+        </p:nvSpPr>
+        <p:spPr/>
+        <p:txBody>
+          <a:bodyPr/>
+          <a:lstStyle/>
+          <a:p>
+            <a:fld id="{D3800FA2-755D-4EFE-9307-15549B0F359C}" type="slidenum">
+              <a:rPr lang="en-GB" smtClean="0"/>
+              <a:t>4</a:t>
+            </a:fld>
+            <a:endParaRPr lang="en-GB"/>
           </a:p>
         </p:txBody>
       </p:sp>
@@ -31268,6 +32170,29 @@
           </a:p>
         </p:txBody>
       </p:sp>
+      <p:sp>
+        <p:nvSpPr>
+          <p:cNvPr id="2" name="Foliennummernplatzhalter 1"/>
+          <p:cNvSpPr>
+            <a:spLocks noGrp="1"/>
+          </p:cNvSpPr>
+          <p:nvPr>
+            <p:ph type="sldNum" sz="quarter" idx="12"/>
+          </p:nvPr>
+        </p:nvSpPr>
+        <p:spPr/>
+        <p:txBody>
+          <a:bodyPr/>
+          <a:lstStyle/>
+          <a:p>
+            <a:fld id="{D3800FA2-755D-4EFE-9307-15549B0F359C}" type="slidenum">
+              <a:rPr lang="en-GB" smtClean="0"/>
+              <a:t>5</a:t>
+            </a:fld>
+            <a:endParaRPr lang="en-GB"/>
+          </a:p>
+        </p:txBody>
+      </p:sp>
     </p:spTree>
     <p:extLst>
       <p:ext uri="{BB962C8B-B14F-4D97-AF65-F5344CB8AC3E}">
@@ -31345,11 +32270,7 @@
           <a:p>
             <a:r>
               <a:rPr lang="en-US" dirty="0" smtClean="0"/>
-              <a:t>given real-world adversary A </a:t>
-            </a:r>
-            <a:r>
-              <a:rPr lang="en-US" dirty="0" smtClean="0"/>
-              <a:t>and a MPC </a:t>
+              <a:t>Given real-world adversary A and a MPC </a:t>
             </a:r>
             <a:r>
               <a:rPr lang="en-US" dirty="0" err="1" smtClean="0"/>
@@ -31367,8 +32288,12 @@
           </a:p>
           <a:p>
             <a:r>
+              <a:rPr lang="en-US" dirty="0"/>
+              <a:t>R</a:t>
+            </a:r>
+            <a:r>
               <a:rPr lang="en-US" dirty="0" smtClean="0"/>
-              <a:t>required Simulator S that outputs view V</a:t>
+              <a:t>equired Simulator S that outputs view V</a:t>
             </a:r>
           </a:p>
           <a:p>
@@ -31398,10 +32323,6 @@
             </a:r>
           </a:p>
           <a:p>
-            <a:r>
-              <a:rPr lang="en-US" dirty="0" smtClean="0"/>
-              <a:t> </a:t>
-            </a:r>
             <a:r>
               <a:rPr lang="el-GR" dirty="0" smtClean="0"/>
               <a:t>π</a:t>
@@ -31425,6 +32346,29 @@
           </a:p>
           <a:p>
             <a:endParaRPr lang="en-GB" dirty="0"/>
+          </a:p>
+        </p:txBody>
+      </p:sp>
+      <p:sp>
+        <p:nvSpPr>
+          <p:cNvPr id="2" name="Foliennummernplatzhalter 1"/>
+          <p:cNvSpPr>
+            <a:spLocks noGrp="1"/>
+          </p:cNvSpPr>
+          <p:nvPr>
+            <p:ph type="sldNum" sz="quarter" idx="12"/>
+          </p:nvPr>
+        </p:nvSpPr>
+        <p:spPr/>
+        <p:txBody>
+          <a:bodyPr/>
+          <a:lstStyle/>
+          <a:p>
+            <a:fld id="{D3800FA2-755D-4EFE-9307-15549B0F359C}" type="slidenum">
+              <a:rPr lang="en-GB" smtClean="0"/>
+              <a:t>6</a:t>
+            </a:fld>
+            <a:endParaRPr lang="en-GB"/>
           </a:p>
         </p:txBody>
       </p:sp>
@@ -31506,8 +32450,12 @@
           <a:lstStyle/>
           <a:p>
             <a:r>
+              <a:rPr lang="en-US" sz="2800" dirty="0"/>
+              <a:t>A</a:t>
+            </a:r>
+            <a:r>
               <a:rPr lang="en-US" sz="2800" dirty="0" smtClean="0"/>
-              <a:t>are in theory able to evaluate any </a:t>
+              <a:t>re in theory able to evaluate any </a:t>
             </a:r>
             <a:r>
               <a:rPr lang="en-US" sz="2800" dirty="0" err="1" smtClean="0"/>
@@ -31520,21 +32468,52 @@
           </a:p>
           <a:p>
             <a:r>
+              <a:rPr lang="en-US" sz="2800" dirty="0"/>
+              <a:t>N</a:t>
+            </a:r>
+            <a:r>
               <a:rPr lang="en-US" sz="2800" dirty="0" smtClean="0"/>
-              <a:t>notable example is SPDZ </a:t>
+              <a:t>otable example is SPDZ </a:t>
             </a:r>
           </a:p>
           <a:p>
             <a:r>
               <a:rPr lang="en-US" sz="2800" dirty="0" smtClean="0"/>
-              <a:t>often insufficient performance to be of practical use</a:t>
+              <a:t>Often insufficient performance to be of practical use</a:t>
             </a:r>
           </a:p>
           <a:p>
             <a:r>
+              <a:rPr lang="en-US" sz="2800" dirty="0"/>
+              <a:t>M</a:t>
+            </a:r>
+            <a:r>
               <a:rPr lang="en-US" sz="2800" dirty="0" smtClean="0"/>
-              <a:t>more specialized protocols necessary </a:t>
-            </a:r>
+              <a:t>ore specialized protocols necessary </a:t>
+            </a:r>
+          </a:p>
+        </p:txBody>
+      </p:sp>
+      <p:sp>
+        <p:nvSpPr>
+          <p:cNvPr id="4" name="Foliennummernplatzhalter 3"/>
+          <p:cNvSpPr>
+            <a:spLocks noGrp="1"/>
+          </p:cNvSpPr>
+          <p:nvPr>
+            <p:ph type="sldNum" sz="quarter" idx="12"/>
+          </p:nvPr>
+        </p:nvSpPr>
+        <p:spPr/>
+        <p:txBody>
+          <a:bodyPr/>
+          <a:lstStyle/>
+          <a:p>
+            <a:fld id="{D3800FA2-755D-4EFE-9307-15549B0F359C}" type="slidenum">
+              <a:rPr lang="en-GB" smtClean="0"/>
+              <a:t>7</a:t>
+            </a:fld>
+            <a:endParaRPr lang="en-GB"/>
           </a:p>
         </p:txBody>
       </p:sp>
@@ -31614,26 +32593,42 @@
           <a:lstStyle/>
           <a:p>
             <a:r>
+              <a:rPr lang="en-US" sz="2800" dirty="0"/>
+              <a:t>B</a:t>
+            </a:r>
+            <a:r>
               <a:rPr lang="en-US" sz="2800" dirty="0" smtClean="0"/>
-              <a:t>benchmark MPC protocols specialized for a database context</a:t>
+              <a:t>enchmark MPC protocols specialized for a database context</a:t>
             </a:r>
           </a:p>
           <a:p>
             <a:r>
+              <a:rPr lang="en-US" sz="2800" dirty="0"/>
+              <a:t>E</a:t>
+            </a:r>
+            <a:r>
               <a:rPr lang="en-US" sz="2800" dirty="0" smtClean="0"/>
-              <a:t>evaluation of use-cases based on classical database operations</a:t>
+              <a:t>valuation of use-cases based on classical database operations</a:t>
             </a:r>
           </a:p>
           <a:p>
             <a:r>
+              <a:rPr lang="en-US" sz="2800" dirty="0"/>
+              <a:t>L</a:t>
+            </a:r>
+            <a:r>
               <a:rPr lang="en-US" sz="2800" dirty="0" smtClean="0"/>
-              <a:t>large scale database systems</a:t>
+              <a:t>arge scale database systems</a:t>
             </a:r>
           </a:p>
           <a:p>
             <a:r>
+              <a:rPr lang="en-US" sz="2800" dirty="0"/>
+              <a:t>M</a:t>
+            </a:r>
+            <a:r>
               <a:rPr lang="en-US" sz="2800" dirty="0" smtClean="0"/>
-              <a:t>multiple data owners </a:t>
+              <a:t>ultiple data owners </a:t>
             </a:r>
             <a:r>
               <a:rPr lang="en-GB" sz="2800" dirty="0" smtClean="0"/>
@@ -31642,6 +32637,29 @@
           </a:p>
           <a:p>
             <a:endParaRPr lang="en-US" dirty="0"/>
+          </a:p>
+        </p:txBody>
+      </p:sp>
+      <p:sp>
+        <p:nvSpPr>
+          <p:cNvPr id="4" name="Foliennummernplatzhalter 3"/>
+          <p:cNvSpPr>
+            <a:spLocks noGrp="1"/>
+          </p:cNvSpPr>
+          <p:nvPr>
+            <p:ph type="sldNum" sz="quarter" idx="12"/>
+          </p:nvPr>
+        </p:nvSpPr>
+        <p:spPr/>
+        <p:txBody>
+          <a:bodyPr/>
+          <a:lstStyle/>
+          <a:p>
+            <a:fld id="{D3800FA2-755D-4EFE-9307-15549B0F359C}" type="slidenum">
+              <a:rPr lang="en-GB" smtClean="0"/>
+              <a:t>8</a:t>
+            </a:fld>
+            <a:endParaRPr lang="en-GB"/>
           </a:p>
         </p:txBody>
       </p:sp>
@@ -31764,11 +32782,7 @@
           <a:p>
             <a:r>
               <a:rPr lang="de-DE" sz="2800" dirty="0" smtClean="0"/>
-              <a:t>MIN/MAX</a:t>
-            </a:r>
-            <a:r>
-              <a:rPr lang="de-DE" sz="2800" dirty="0" smtClean="0"/>
-              <a:t>, SUM, </a:t>
+              <a:t>MIN/MAX, SUM, </a:t>
             </a:r>
             <a:r>
               <a:rPr lang="de-DE" sz="2800" dirty="0" err="1" smtClean="0"/>
@@ -31792,11 +32806,7 @@
             </a:r>
             <a:r>
               <a:rPr lang="de-DE" sz="2800" dirty="0" smtClean="0"/>
-              <a:t>, </a:t>
-            </a:r>
-            <a:r>
-              <a:rPr lang="de-DE" sz="2800" dirty="0" smtClean="0"/>
-              <a:t>UNION</a:t>
+              <a:t>, UNION</a:t>
             </a:r>
           </a:p>
           <a:p>
@@ -31808,7 +32818,11 @@
           <a:p>
             <a:r>
               <a:rPr lang="en-US" sz="2800" dirty="0" smtClean="0"/>
-              <a:t>On top of </a:t>
+              <a:t>Implemented on </a:t>
+            </a:r>
+            <a:r>
+              <a:rPr lang="en-US" sz="2800" dirty="0" smtClean="0"/>
+              <a:t>top of </a:t>
             </a:r>
             <a:r>
               <a:rPr lang="en-US" sz="2800" dirty="0" err="1" smtClean="0"/>
@@ -31822,6 +32836,29 @@
               <a:t>Allows to formulate queries without reasoning about the underlying MPC system</a:t>
             </a:r>
             <a:endParaRPr lang="en-US" sz="2800" dirty="0"/>
+          </a:p>
+        </p:txBody>
+      </p:sp>
+      <p:sp>
+        <p:nvSpPr>
+          <p:cNvPr id="4" name="Foliennummernplatzhalter 3"/>
+          <p:cNvSpPr>
+            <a:spLocks noGrp="1"/>
+          </p:cNvSpPr>
+          <p:nvPr>
+            <p:ph type="sldNum" sz="quarter" idx="12"/>
+          </p:nvPr>
+        </p:nvSpPr>
+        <p:spPr/>
+        <p:txBody>
+          <a:bodyPr/>
+          <a:lstStyle/>
+          <a:p>
+            <a:fld id="{D3800FA2-755D-4EFE-9307-15549B0F359C}" type="slidenum">
+              <a:rPr lang="en-GB" smtClean="0"/>
+              <a:t>9</a:t>
+            </a:fld>
+            <a:endParaRPr lang="en-GB"/>
           </a:p>
         </p:txBody>
       </p:sp>
@@ -32126,4 +33163,265 @@
     </a:ext>
   </a:extLst>
 </a:theme>
+</file>
+
+<file path=ppt/theme/theme2.xml><?xml version="1.0" encoding="utf-8"?>
+<a:theme xmlns:a="http://schemas.openxmlformats.org/drawingml/2006/main" name="Office Theme">
+  <a:themeElements>
+    <a:clrScheme name="Office">
+      <a:dk1>
+        <a:sysClr val="windowText" lastClr="000000"/>
+      </a:dk1>
+      <a:lt1>
+        <a:sysClr val="window" lastClr="FFFFFF"/>
+      </a:lt1>
+      <a:dk2>
+        <a:srgbClr val="44546A"/>
+      </a:dk2>
+      <a:lt2>
+        <a:srgbClr val="E7E6E6"/>
+      </a:lt2>
+      <a:accent1>
+        <a:srgbClr val="5B9BD5"/>
+      </a:accent1>
+      <a:accent2>
+        <a:srgbClr val="ED7D31"/>
+      </a:accent2>
+      <a:accent3>
+        <a:srgbClr val="A5A5A5"/>
+      </a:accent3>
+      <a:accent4>
+        <a:srgbClr val="FFC000"/>
+      </a:accent4>
+      <a:accent5>
+        <a:srgbClr val="4472C4"/>
+      </a:accent5>
+      <a:accent6>
+        <a:srgbClr val="70AD47"/>
+      </a:accent6>
+      <a:hlink>
+        <a:srgbClr val="0563C1"/>
+      </a:hlink>
+      <a:folHlink>
+        <a:srgbClr val="954F72"/>
+      </a:folHlink>
+    </a:clrScheme>
+    <a:fontScheme name="Office">
+      <a:majorFont>
+        <a:latin typeface="Calibri Light" panose="020F0302020204030204"/>
+        <a:ea typeface=""/>
+        <a:cs typeface=""/>
+        <a:font script="Jpan" typeface="ＭＳ Ｐゴシック"/>
+        <a:font script="Hang" typeface="맑은 고딕"/>
+        <a:font script="Hans" typeface="宋体"/>
+        <a:font script="Hant" typeface="新細明體"/>
+        <a:font script="Arab" typeface="Times New Roman"/>
+        <a:font script="Hebr" typeface="Times New Roman"/>
+        <a:font script="Thai" typeface="Angsana New"/>
+        <a:font script="Ethi" typeface="Nyala"/>
+        <a:font script="Beng" typeface="Vrinda"/>
+        <a:font script="Gujr" typeface="Shruti"/>
+        <a:font script="Khmr" typeface="MoolBoran"/>
+        <a:font script="Knda" typeface="Tunga"/>
+        <a:font script="Guru" typeface="Raavi"/>
+        <a:font script="Cans" typeface="Euphemia"/>
+        <a:font script="Cher" typeface="Plantagenet Cherokee"/>
+        <a:font script="Yiii" typeface="Microsoft Yi Baiti"/>
+        <a:font script="Tibt" typeface="Microsoft Himalaya"/>
+        <a:font script="Thaa" typeface="MV Boli"/>
+        <a:font script="Deva" typeface="Mangal"/>
+        <a:font script="Telu" typeface="Gautami"/>
+        <a:font script="Taml" typeface="Latha"/>
+        <a:font script="Syrc" typeface="Estrangelo Edessa"/>
+        <a:font script="Orya" typeface="Kalinga"/>
+        <a:font script="Mlym" typeface="Kartika"/>
+        <a:font script="Laoo" typeface="DokChampa"/>
+        <a:font script="Sinh" typeface="Iskoola Pota"/>
+        <a:font script="Mong" typeface="Mongolian Baiti"/>
+        <a:font script="Viet" typeface="Times New Roman"/>
+        <a:font script="Uigh" typeface="Microsoft Uighur"/>
+        <a:font script="Geor" typeface="Sylfaen"/>
+      </a:majorFont>
+      <a:minorFont>
+        <a:latin typeface="Calibri" panose="020F0502020204030204"/>
+        <a:ea typeface=""/>
+        <a:cs typeface=""/>
+        <a:font script="Jpan" typeface="ＭＳ Ｐゴシック"/>
+        <a:font script="Hang" typeface="맑은 고딕"/>
+        <a:font script="Hans" typeface="宋体"/>
+        <a:font script="Hant" typeface="新細明體"/>
+        <a:font script="Arab" typeface="Arial"/>
+        <a:font script="Hebr" typeface="Arial"/>
+        <a:font script="Thai" typeface="Cordia New"/>
+        <a:font script="Ethi" typeface="Nyala"/>
+        <a:font script="Beng" typeface="Vrinda"/>
+        <a:font script="Gujr" typeface="Shruti"/>
+        <a:font script="Khmr" typeface="DaunPenh"/>
+        <a:font script="Knda" typeface="Tunga"/>
+        <a:font script="Guru" typeface="Raavi"/>
+        <a:font script="Cans" typeface="Euphemia"/>
+        <a:font script="Cher" typeface="Plantagenet Cherokee"/>
+        <a:font script="Yiii" typeface="Microsoft Yi Baiti"/>
+        <a:font script="Tibt" typeface="Microsoft Himalaya"/>
+        <a:font script="Thaa" typeface="MV Boli"/>
+        <a:font script="Deva" typeface="Mangal"/>
+        <a:font script="Telu" typeface="Gautami"/>
+        <a:font script="Taml" typeface="Latha"/>
+        <a:font script="Syrc" typeface="Estrangelo Edessa"/>
+        <a:font script="Orya" typeface="Kalinga"/>
+        <a:font script="Mlym" typeface="Kartika"/>
+        <a:font script="Laoo" typeface="DokChampa"/>
+        <a:font script="Sinh" typeface="Iskoola Pota"/>
+        <a:font script="Mong" typeface="Mongolian Baiti"/>
+        <a:font script="Viet" typeface="Arial"/>
+        <a:font script="Uigh" typeface="Microsoft Uighur"/>
+        <a:font script="Geor" typeface="Sylfaen"/>
+      </a:minorFont>
+    </a:fontScheme>
+    <a:fmtScheme name="Office">
+      <a:fillStyleLst>
+        <a:solidFill>
+          <a:schemeClr val="phClr"/>
+        </a:solidFill>
+        <a:gradFill rotWithShape="1">
+          <a:gsLst>
+            <a:gs pos="0">
+              <a:schemeClr val="phClr">
+                <a:lumMod val="110000"/>
+                <a:satMod val="105000"/>
+                <a:tint val="67000"/>
+              </a:schemeClr>
+            </a:gs>
+            <a:gs pos="50000">
+              <a:schemeClr val="phClr">
+                <a:lumMod val="105000"/>
+                <a:satMod val="103000"/>
+                <a:tint val="73000"/>
+              </a:schemeClr>
+            </a:gs>
+            <a:gs pos="100000">
+              <a:schemeClr val="phClr">
+                <a:lumMod val="105000"/>
+                <a:satMod val="109000"/>
+                <a:tint val="81000"/>
+              </a:schemeClr>
+            </a:gs>
+          </a:gsLst>
+          <a:lin ang="5400000" scaled="0"/>
+        </a:gradFill>
+        <a:gradFill rotWithShape="1">
+          <a:gsLst>
+            <a:gs pos="0">
+              <a:schemeClr val="phClr">
+                <a:satMod val="103000"/>
+                <a:lumMod val="102000"/>
+                <a:tint val="94000"/>
+              </a:schemeClr>
+            </a:gs>
+            <a:gs pos="50000">
+              <a:schemeClr val="phClr">
+                <a:satMod val="110000"/>
+                <a:lumMod val="100000"/>
+                <a:shade val="100000"/>
+              </a:schemeClr>
+            </a:gs>
+            <a:gs pos="100000">
+              <a:schemeClr val="phClr">
+                <a:lumMod val="99000"/>
+                <a:satMod val="120000"/>
+                <a:shade val="78000"/>
+              </a:schemeClr>
+            </a:gs>
+          </a:gsLst>
+          <a:lin ang="5400000" scaled="0"/>
+        </a:gradFill>
+      </a:fillStyleLst>
+      <a:lnStyleLst>
+        <a:ln w="6350" cap="flat" cmpd="sng" algn="ctr">
+          <a:solidFill>
+            <a:schemeClr val="phClr"/>
+          </a:solidFill>
+          <a:prstDash val="solid"/>
+          <a:miter lim="800000"/>
+        </a:ln>
+        <a:ln w="12700" cap="flat" cmpd="sng" algn="ctr">
+          <a:solidFill>
+            <a:schemeClr val="phClr"/>
+          </a:solidFill>
+          <a:prstDash val="solid"/>
+          <a:miter lim="800000"/>
+        </a:ln>
+        <a:ln w="19050" cap="flat" cmpd="sng" algn="ctr">
+          <a:solidFill>
+            <a:schemeClr val="phClr"/>
+          </a:solidFill>
+          <a:prstDash val="solid"/>
+          <a:miter lim="800000"/>
+        </a:ln>
+      </a:lnStyleLst>
+      <a:effectStyleLst>
+        <a:effectStyle>
+          <a:effectLst/>
+        </a:effectStyle>
+        <a:effectStyle>
+          <a:effectLst/>
+        </a:effectStyle>
+        <a:effectStyle>
+          <a:effectLst>
+            <a:outerShdw blurRad="57150" dist="19050" dir="5400000" algn="ctr" rotWithShape="0">
+              <a:srgbClr val="000000">
+                <a:alpha val="63000"/>
+              </a:srgbClr>
+            </a:outerShdw>
+          </a:effectLst>
+        </a:effectStyle>
+      </a:effectStyleLst>
+      <a:bgFillStyleLst>
+        <a:solidFill>
+          <a:schemeClr val="phClr"/>
+        </a:solidFill>
+        <a:solidFill>
+          <a:schemeClr val="phClr">
+            <a:tint val="95000"/>
+            <a:satMod val="170000"/>
+          </a:schemeClr>
+        </a:solidFill>
+        <a:gradFill rotWithShape="1">
+          <a:gsLst>
+            <a:gs pos="0">
+              <a:schemeClr val="phClr">
+                <a:tint val="93000"/>
+                <a:satMod val="150000"/>
+                <a:shade val="98000"/>
+                <a:lumMod val="102000"/>
+              </a:schemeClr>
+            </a:gs>
+            <a:gs pos="50000">
+              <a:schemeClr val="phClr">
+                <a:tint val="98000"/>
+                <a:satMod val="130000"/>
+                <a:shade val="90000"/>
+                <a:lumMod val="103000"/>
+              </a:schemeClr>
+            </a:gs>
+            <a:gs pos="100000">
+              <a:schemeClr val="phClr">
+                <a:shade val="63000"/>
+                <a:satMod val="120000"/>
+              </a:schemeClr>
+            </a:gs>
+          </a:gsLst>
+          <a:lin ang="5400000" scaled="0"/>
+        </a:gradFill>
+      </a:bgFillStyleLst>
+    </a:fmtScheme>
+  </a:themeElements>
+  <a:objectDefaults/>
+  <a:extraClrSchemeLst/>
+  <a:extLst>
+    <a:ext uri="{05A4C25C-085E-4340-85A3-A5531E510DB2}">
+      <thm15:themeFamily xmlns:thm15="http://schemas.microsoft.com/office/thememl/2012/main" name="Office Theme" id="{62F939B6-93AF-4DB8-9C6B-D6C7DFDC589F}" vid="{4A3C46E8-61CC-4603-A589-7422A47A8E4A}"/>
+    </a:ext>
+  </a:extLst>
+</a:theme>
 </file>